--- a/Regression_Presentation.pptx
+++ b/Regression_Presentation.pptx
@@ -278,7 +278,7 @@
           <a:p>
             <a:fld id="{313D6DBE-1EC8-4F21-8C1A-F9AC36007C69}" type="datetimeFigureOut">
               <a:rPr lang="en-IN" smtClean="0"/>
-              <a:t>04-05-2022</a:t>
+              <a:t>07-05-2022</a:t>
             </a:fld>
             <a:endParaRPr lang="en-IN"/>
           </a:p>
@@ -443,7 +443,7 @@
           <a:p>
             <a:fld id="{313D6DBE-1EC8-4F21-8C1A-F9AC36007C69}" type="datetimeFigureOut">
               <a:rPr lang="en-IN" smtClean="0"/>
-              <a:t>04-05-2022</a:t>
+              <a:t>07-05-2022</a:t>
             </a:fld>
             <a:endParaRPr lang="en-IN"/>
           </a:p>
@@ -618,7 +618,7 @@
           <a:p>
             <a:fld id="{313D6DBE-1EC8-4F21-8C1A-F9AC36007C69}" type="datetimeFigureOut">
               <a:rPr lang="en-IN" smtClean="0"/>
-              <a:t>04-05-2022</a:t>
+              <a:t>07-05-2022</a:t>
             </a:fld>
             <a:endParaRPr lang="en-IN"/>
           </a:p>
@@ -783,7 +783,7 @@
           <a:p>
             <a:fld id="{313D6DBE-1EC8-4F21-8C1A-F9AC36007C69}" type="datetimeFigureOut">
               <a:rPr lang="en-IN" smtClean="0"/>
-              <a:t>04-05-2022</a:t>
+              <a:t>07-05-2022</a:t>
             </a:fld>
             <a:endParaRPr lang="en-IN"/>
           </a:p>
@@ -1024,7 +1024,7 @@
           <a:p>
             <a:fld id="{313D6DBE-1EC8-4F21-8C1A-F9AC36007C69}" type="datetimeFigureOut">
               <a:rPr lang="en-IN" smtClean="0"/>
-              <a:t>04-05-2022</a:t>
+              <a:t>07-05-2022</a:t>
             </a:fld>
             <a:endParaRPr lang="en-IN"/>
           </a:p>
@@ -1251,7 +1251,7 @@
           <a:p>
             <a:fld id="{313D6DBE-1EC8-4F21-8C1A-F9AC36007C69}" type="datetimeFigureOut">
               <a:rPr lang="en-IN" smtClean="0"/>
-              <a:t>04-05-2022</a:t>
+              <a:t>07-05-2022</a:t>
             </a:fld>
             <a:endParaRPr lang="en-IN"/>
           </a:p>
@@ -1613,7 +1613,7 @@
           <a:p>
             <a:fld id="{313D6DBE-1EC8-4F21-8C1A-F9AC36007C69}" type="datetimeFigureOut">
               <a:rPr lang="en-IN" smtClean="0"/>
-              <a:t>04-05-2022</a:t>
+              <a:t>07-05-2022</a:t>
             </a:fld>
             <a:endParaRPr lang="en-IN"/>
           </a:p>
@@ -1726,7 +1726,7 @@
           <a:p>
             <a:fld id="{313D6DBE-1EC8-4F21-8C1A-F9AC36007C69}" type="datetimeFigureOut">
               <a:rPr lang="en-IN" smtClean="0"/>
-              <a:t>04-05-2022</a:t>
+              <a:t>07-05-2022</a:t>
             </a:fld>
             <a:endParaRPr lang="en-IN"/>
           </a:p>
@@ -1816,7 +1816,7 @@
           <a:p>
             <a:fld id="{313D6DBE-1EC8-4F21-8C1A-F9AC36007C69}" type="datetimeFigureOut">
               <a:rPr lang="en-IN" smtClean="0"/>
-              <a:t>04-05-2022</a:t>
+              <a:t>07-05-2022</a:t>
             </a:fld>
             <a:endParaRPr lang="en-IN"/>
           </a:p>
@@ -2088,7 +2088,7 @@
           <a:p>
             <a:fld id="{313D6DBE-1EC8-4F21-8C1A-F9AC36007C69}" type="datetimeFigureOut">
               <a:rPr lang="en-IN" smtClean="0"/>
-              <a:t>04-05-2022</a:t>
+              <a:t>07-05-2022</a:t>
             </a:fld>
             <a:endParaRPr lang="en-IN"/>
           </a:p>
@@ -2336,7 +2336,7 @@
           <a:p>
             <a:fld id="{313D6DBE-1EC8-4F21-8C1A-F9AC36007C69}" type="datetimeFigureOut">
               <a:rPr lang="en-IN" smtClean="0"/>
-              <a:t>04-05-2022</a:t>
+              <a:t>07-05-2022</a:t>
             </a:fld>
             <a:endParaRPr lang="en-IN"/>
           </a:p>
@@ -2544,7 +2544,7 @@
           <a:p>
             <a:fld id="{313D6DBE-1EC8-4F21-8C1A-F9AC36007C69}" type="datetimeFigureOut">
               <a:rPr lang="en-IN" smtClean="0"/>
-              <a:t>04-05-2022</a:t>
+              <a:t>07-05-2022</a:t>
             </a:fld>
             <a:endParaRPr lang="en-IN"/>
           </a:p>
@@ -2982,8 +2982,8 @@
         </p:nvSpPr>
         <p:spPr>
           <a:xfrm>
-            <a:off x="1582073" y="742885"/>
-            <a:ext cx="9027857" cy="5878532"/>
+            <a:off x="448753" y="742885"/>
+            <a:ext cx="11294502" cy="5878532"/>
           </a:xfrm>
           <a:prstGeom prst="rect">
             <a:avLst/>
@@ -3099,7 +3099,47 @@
                 <a:latin typeface="Times New Roman" panose="02020603050405020304" pitchFamily="18" charset="0"/>
                 <a:cs typeface="Times New Roman" panose="02020603050405020304" pitchFamily="18" charset="0"/>
               </a:rPr>
-              <a:t> : Retail Sales Prediction</a:t>
+              <a:t> : </a:t>
+            </a:r>
+            <a:r>
+              <a:rPr lang="en-US" sz="4000" cap="none" spc="0" dirty="0" err="1">
+                <a:ln w="0"/>
+                <a:solidFill>
+                  <a:schemeClr val="accent1">
+                    <a:lumMod val="50000"/>
+                  </a:schemeClr>
+                </a:solidFill>
+                <a:effectLst>
+                  <a:outerShdw blurRad="38100" dist="19050" dir="2700000" algn="tl" rotWithShape="0">
+                    <a:schemeClr val="dk1">
+                      <a:alpha val="40000"/>
+                    </a:schemeClr>
+                  </a:outerShdw>
+                </a:effectLst>
+                <a:latin typeface="Times New Roman" panose="02020603050405020304" pitchFamily="18" charset="0"/>
+                <a:cs typeface="Times New Roman" panose="02020603050405020304" pitchFamily="18" charset="0"/>
+              </a:rPr>
+              <a:t>Rossmann</a:t>
+            </a:r>
+            <a:r>
+              <a:rPr lang="en-US" sz="4000" cap="none" spc="0" dirty="0">
+                <a:ln w="0"/>
+                <a:solidFill>
+                  <a:schemeClr val="accent1">
+                    <a:lumMod val="50000"/>
+                  </a:schemeClr>
+                </a:solidFill>
+                <a:effectLst>
+                  <a:outerShdw blurRad="38100" dist="19050" dir="2700000" algn="tl" rotWithShape="0">
+                    <a:schemeClr val="dk1">
+                      <a:alpha val="40000"/>
+                    </a:schemeClr>
+                  </a:outerShdw>
+                </a:effectLst>
+                <a:latin typeface="Times New Roman" panose="02020603050405020304" pitchFamily="18" charset="0"/>
+                <a:cs typeface="Times New Roman" panose="02020603050405020304" pitchFamily="18" charset="0"/>
+              </a:rPr>
+              <a:t> Retail Sales Prediction</a:t>
             </a:r>
           </a:p>
           <a:p>
@@ -7647,7 +7687,7 @@
         <p:spPr>
           <a:xfrm>
             <a:off x="226695" y="215452"/>
-            <a:ext cx="11738610" cy="5453865"/>
+            <a:ext cx="11738610" cy="6296917"/>
           </a:xfrm>
           <a:prstGeom prst="rect">
             <a:avLst/>
@@ -7746,7 +7786,7 @@
               <a:buChar char="Ø"/>
             </a:pPr>
             <a:r>
-              <a:rPr lang="en-US" sz="2000" dirty="0">
+              <a:rPr lang="en-US" sz="2400" dirty="0">
                 <a:ln w="0"/>
                 <a:gradFill>
                   <a:gsLst>
@@ -7787,7 +7827,7 @@
               <a:buChar char="Ø"/>
             </a:pPr>
             <a:r>
-              <a:rPr lang="en-US" sz="2000" dirty="0">
+              <a:rPr lang="en-US" sz="2400" dirty="0">
                 <a:ln w="0"/>
                 <a:gradFill>
                   <a:gsLst>
@@ -7828,7 +7868,7 @@
               <a:buChar char="Ø"/>
             </a:pPr>
             <a:r>
-              <a:rPr lang="en-US" sz="2000" dirty="0">
+              <a:rPr lang="en-US" sz="2400" dirty="0">
                 <a:ln w="0"/>
                 <a:gradFill>
                   <a:gsLst>
@@ -7869,7 +7909,7 @@
               <a:buChar char="Ø"/>
             </a:pPr>
             <a:r>
-              <a:rPr lang="en-US" sz="2000" dirty="0">
+              <a:rPr lang="en-US" sz="2400" dirty="0">
                 <a:ln w="0"/>
                 <a:gradFill>
                   <a:gsLst>
@@ -7910,7 +7950,7 @@
               <a:buChar char="Ø"/>
             </a:pPr>
             <a:r>
-              <a:rPr lang="en-US" sz="2000" dirty="0">
+              <a:rPr lang="en-US" sz="2400" dirty="0">
                 <a:ln w="0"/>
                 <a:gradFill>
                   <a:gsLst>
@@ -7951,7 +7991,7 @@
               <a:buChar char="Ø"/>
             </a:pPr>
             <a:r>
-              <a:rPr lang="en-US" sz="2000" dirty="0">
+              <a:rPr lang="en-US" sz="2400" dirty="0">
                 <a:ln w="0"/>
                 <a:gradFill>
                   <a:gsLst>
@@ -7992,7 +8032,7 @@
               <a:buChar char="Ø"/>
             </a:pPr>
             <a:r>
-              <a:rPr lang="en-US" sz="2000" dirty="0">
+              <a:rPr lang="en-US" sz="2400" dirty="0">
                 <a:ln w="0"/>
                 <a:gradFill>
                   <a:gsLst>
@@ -8102,7 +8142,7 @@
         <p:spPr>
           <a:xfrm>
             <a:off x="288421" y="76200"/>
-            <a:ext cx="11738610" cy="6001643"/>
+            <a:ext cx="11738610" cy="4708981"/>
           </a:xfrm>
           <a:prstGeom prst="rect">
             <a:avLst/>
@@ -8138,10 +8178,10 @@
           <a:p>
             <a:pPr algn="just"/>
             <a:r>
-              <a:rPr lang="en-US" sz="3200" b="1" dirty="0">
+              <a:rPr lang="en-US" sz="2800" b="1" dirty="0">
                 <a:ln w="0"/>
                 <a:solidFill>
-                  <a:srgbClr val="C00000"/>
+                  <a:srgbClr val="042D85"/>
                 </a:solidFill>
                 <a:latin typeface="Times New Roman" panose="02020603050405020304" pitchFamily="18" charset="0"/>
                 <a:cs typeface="Times New Roman" panose="02020603050405020304" pitchFamily="18" charset="0"/>
@@ -8150,59 +8190,7 @@
             </a:r>
           </a:p>
           <a:p>
-            <a:pPr algn="just">
-              <a:lnSpc>
-                <a:spcPct val="150000"/>
-              </a:lnSpc>
-            </a:pPr>
-            <a:endParaRPr lang="en-US" sz="3200" b="1" dirty="0">
-              <a:ln w="0"/>
-              <a:solidFill>
-                <a:srgbClr val="C00000"/>
-              </a:solidFill>
-              <a:effectLst>
-                <a:outerShdw blurRad="38100" dist="19050" dir="2700000" algn="tl" rotWithShape="0">
-                  <a:schemeClr val="dk1">
-                    <a:alpha val="40000"/>
-                  </a:schemeClr>
-                </a:outerShdw>
-              </a:effectLst>
-              <a:latin typeface="Times New Roman" panose="02020603050405020304" pitchFamily="18" charset="0"/>
-              <a:cs typeface="Times New Roman" panose="02020603050405020304" pitchFamily="18" charset="0"/>
-            </a:endParaRPr>
-          </a:p>
-          <a:p>
-            <a:pPr algn="just">
-              <a:lnSpc>
-                <a:spcPct val="150000"/>
-              </a:lnSpc>
-            </a:pPr>
-            <a:endParaRPr lang="en-US" sz="2400" b="1" dirty="0">
-              <a:ln w="0"/>
-              <a:gradFill>
-                <a:gsLst>
-                  <a:gs pos="0">
-                    <a:srgbClr val="012D86"/>
-                  </a:gs>
-                  <a:gs pos="100000">
-                    <a:srgbClr val="0E2557"/>
-                  </a:gs>
-                </a:gsLst>
-                <a:lin scaled="0"/>
-              </a:gradFill>
-              <a:effectLst>
-                <a:outerShdw blurRad="38100" dist="19050" dir="2700000" algn="tl" rotWithShape="0">
-                  <a:schemeClr val="dk1">
-                    <a:alpha val="40000"/>
-                  </a:schemeClr>
-                </a:outerShdw>
-              </a:effectLst>
-              <a:latin typeface="Times New Roman" panose="02020603050405020304" pitchFamily="18" charset="0"/>
-              <a:cs typeface="Times New Roman" panose="02020603050405020304" pitchFamily="18" charset="0"/>
-            </a:endParaRPr>
-          </a:p>
-          <a:p>
-            <a:pPr algn="just">
+            <a:pPr algn="ctr">
               <a:lnSpc>
                 <a:spcPct val="150000"/>
               </a:lnSpc>
@@ -8460,8 +8448,8 @@
         </p:blipFill>
         <p:spPr>
           <a:xfrm>
-            <a:off x="788283" y="2962733"/>
-            <a:ext cx="5137387" cy="3380132"/>
+            <a:off x="2496192" y="1738933"/>
+            <a:ext cx="6168501" cy="4058551"/>
           </a:xfrm>
           <a:prstGeom prst="rect">
             <a:avLst/>
@@ -9343,7 +9331,7 @@
         <p:spPr>
           <a:xfrm>
             <a:off x="288421" y="76200"/>
-            <a:ext cx="11738610" cy="4462760"/>
+            <a:ext cx="11738610" cy="5016758"/>
           </a:xfrm>
           <a:prstGeom prst="rect">
             <a:avLst/>
@@ -9397,7 +9385,37 @@
             </a:endParaRPr>
           </a:p>
           <a:p>
-            <a:pPr algn="just">
+            <a:pPr algn="ctr">
+              <a:lnSpc>
+                <a:spcPct val="150000"/>
+              </a:lnSpc>
+            </a:pPr>
+            <a:endParaRPr lang="en-US" sz="2400" b="1" dirty="0">
+              <a:ln w="0"/>
+              <a:gradFill>
+                <a:gsLst>
+                  <a:gs pos="0">
+                    <a:srgbClr val="012D86"/>
+                  </a:gs>
+                  <a:gs pos="100000">
+                    <a:srgbClr val="0E2557"/>
+                  </a:gs>
+                </a:gsLst>
+                <a:lin scaled="0"/>
+              </a:gradFill>
+              <a:effectLst>
+                <a:outerShdw blurRad="38100" dist="19050" dir="2700000" algn="tl" rotWithShape="0">
+                  <a:schemeClr val="dk1">
+                    <a:alpha val="40000"/>
+                  </a:schemeClr>
+                </a:outerShdw>
+              </a:effectLst>
+              <a:latin typeface="Times New Roman" panose="02020603050405020304" pitchFamily="18" charset="0"/>
+              <a:cs typeface="Times New Roman" panose="02020603050405020304" pitchFamily="18" charset="0"/>
+            </a:endParaRPr>
+          </a:p>
+          <a:p>
+            <a:pPr algn="ctr">
               <a:lnSpc>
                 <a:spcPct val="150000"/>
               </a:lnSpc>
@@ -9655,8 +9673,8 @@
         </p:blipFill>
         <p:spPr>
           <a:xfrm>
-            <a:off x="3728707" y="1876208"/>
-            <a:ext cx="4734586" cy="3105583"/>
+            <a:off x="3150042" y="1847927"/>
+            <a:ext cx="5891915" cy="3864716"/>
           </a:xfrm>
           <a:prstGeom prst="rect">
             <a:avLst/>
@@ -9714,7 +9732,7 @@
         <p:spPr>
           <a:xfrm>
             <a:off x="288421" y="76200"/>
-            <a:ext cx="11738610" cy="4462760"/>
+            <a:ext cx="11738610" cy="5016758"/>
           </a:xfrm>
           <a:prstGeom prst="rect">
             <a:avLst/>
@@ -9768,7 +9786,37 @@
             </a:endParaRPr>
           </a:p>
           <a:p>
-            <a:pPr algn="just">
+            <a:pPr algn="ctr">
+              <a:lnSpc>
+                <a:spcPct val="150000"/>
+              </a:lnSpc>
+            </a:pPr>
+            <a:endParaRPr lang="en-US" sz="2400" b="1" dirty="0">
+              <a:ln w="0"/>
+              <a:gradFill>
+                <a:gsLst>
+                  <a:gs pos="0">
+                    <a:srgbClr val="012D86"/>
+                  </a:gs>
+                  <a:gs pos="100000">
+                    <a:srgbClr val="0E2557"/>
+                  </a:gs>
+                </a:gsLst>
+                <a:lin scaled="0"/>
+              </a:gradFill>
+              <a:effectLst>
+                <a:outerShdw blurRad="38100" dist="19050" dir="2700000" algn="tl" rotWithShape="0">
+                  <a:schemeClr val="dk1">
+                    <a:alpha val="40000"/>
+                  </a:schemeClr>
+                </a:outerShdw>
+              </a:effectLst>
+              <a:latin typeface="Times New Roman" panose="02020603050405020304" pitchFamily="18" charset="0"/>
+              <a:cs typeface="Times New Roman" panose="02020603050405020304" pitchFamily="18" charset="0"/>
+            </a:endParaRPr>
+          </a:p>
+          <a:p>
+            <a:pPr algn="ctr">
               <a:lnSpc>
                 <a:spcPct val="150000"/>
               </a:lnSpc>
@@ -10026,8 +10074,8 @@
         </p:blipFill>
         <p:spPr>
           <a:xfrm>
-            <a:off x="3714417" y="1885734"/>
-            <a:ext cx="4763165" cy="3086531"/>
+            <a:off x="3048579" y="1866880"/>
+            <a:ext cx="6094842" cy="3949458"/>
           </a:xfrm>
           <a:prstGeom prst="rect">
             <a:avLst/>
@@ -13325,27 +13373,39 @@
                 <a:latin typeface="Times New Roman" panose="02020603050405020304" pitchFamily="18" charset="0"/>
                 <a:cs typeface="Times New Roman" panose="02020603050405020304" pitchFamily="18" charset="0"/>
               </a:rPr>
-              <a:t>pandas</a:t>
-            </a:r>
-          </a:p>
-          <a:p>
-            <a:pPr marL="342900" indent="-342900" algn="just">
-              <a:lnSpc>
-                <a:spcPct val="150000"/>
-              </a:lnSpc>
-              <a:buFont typeface="Arial" panose="020B0604020202020204" pitchFamily="34" charset="0"/>
-              <a:buChar char="•"/>
-            </a:pPr>
-            <a:r>
-              <a:rPr lang="en-US" sz="2400" dirty="0" err="1">
-                <a:ln w="0"/>
+              <a:t>Pandas – M</a:t>
+            </a:r>
+            <a:r>
+              <a:rPr lang="en-US" sz="2400" i="0" dirty="0">
                 <a:solidFill>
                   <a:srgbClr val="042D85"/>
                 </a:solidFill>
-                <a:latin typeface="Times New Roman" panose="02020603050405020304" pitchFamily="18" charset="0"/>
-                <a:cs typeface="Times New Roman" panose="02020603050405020304" pitchFamily="18" charset="0"/>
-              </a:rPr>
-              <a:t>numpy</a:t>
+                <a:effectLst/>
+                <a:latin typeface="Times New Roman" panose="02020603050405020304" pitchFamily="18" charset="0"/>
+                <a:cs typeface="Times New Roman" panose="02020603050405020304" pitchFamily="18" charset="0"/>
+              </a:rPr>
+              <a:t>anipulation of tabular data in </a:t>
+            </a:r>
+            <a:r>
+              <a:rPr lang="en-US" sz="2400" i="0" dirty="0" err="1">
+                <a:solidFill>
+                  <a:srgbClr val="042D85"/>
+                </a:solidFill>
+                <a:effectLst/>
+                <a:latin typeface="Times New Roman" panose="02020603050405020304" pitchFamily="18" charset="0"/>
+                <a:cs typeface="Times New Roman" panose="02020603050405020304" pitchFamily="18" charset="0"/>
+              </a:rPr>
+              <a:t>Dataframes</a:t>
+            </a:r>
+            <a:r>
+              <a:rPr lang="en-US" sz="2400" dirty="0">
+                <a:solidFill>
+                  <a:srgbClr val="042D85"/>
+                </a:solidFill>
+                <a:latin typeface="Times New Roman" panose="02020603050405020304" pitchFamily="18" charset="0"/>
+                <a:cs typeface="Times New Roman" panose="02020603050405020304" pitchFamily="18" charset="0"/>
+              </a:rPr>
+              <a:t> </a:t>
             </a:r>
             <a:endParaRPr lang="en-US" sz="2400" dirty="0">
               <a:ln w="0"/>
@@ -13365,6 +13425,17 @@
               <a:buChar char="•"/>
             </a:pPr>
             <a:r>
+              <a:rPr lang="en-US" sz="2400" dirty="0" err="1">
+                <a:ln w="0"/>
+                <a:solidFill>
+                  <a:srgbClr val="042D85"/>
+                </a:solidFill>
+                <a:latin typeface="Times New Roman" panose="02020603050405020304" pitchFamily="18" charset="0"/>
+                <a:cs typeface="Times New Roman" panose="02020603050405020304" pitchFamily="18" charset="0"/>
+              </a:rPr>
+              <a:t>Numpy</a:t>
+            </a:r>
+            <a:r>
               <a:rPr lang="en-US" sz="2400" dirty="0">
                 <a:ln w="0"/>
                 <a:solidFill>
@@ -13373,19 +13444,10 @@
                 <a:latin typeface="Times New Roman" panose="02020603050405020304" pitchFamily="18" charset="0"/>
                 <a:cs typeface="Times New Roman" panose="02020603050405020304" pitchFamily="18" charset="0"/>
               </a:rPr>
-              <a:t>matplotlib</a:t>
-            </a:r>
-          </a:p>
-          <a:p>
-            <a:pPr marL="342900" indent="-342900" algn="just">
-              <a:lnSpc>
-                <a:spcPct val="150000"/>
-              </a:lnSpc>
-              <a:buFont typeface="Arial" panose="020B0604020202020204" pitchFamily="34" charset="0"/>
-              <a:buChar char="•"/>
-            </a:pPr>
-            <a:r>
-              <a:rPr lang="en-US" sz="2400" dirty="0">
+              <a:t> – </a:t>
+            </a:r>
+            <a:r>
+              <a:rPr lang="en-IN" sz="2400" dirty="0">
                 <a:ln w="0"/>
                 <a:solidFill>
                   <a:srgbClr val="042D85"/>
@@ -13393,27 +13455,18 @@
                 <a:latin typeface="Times New Roman" panose="02020603050405020304" pitchFamily="18" charset="0"/>
                 <a:cs typeface="Times New Roman" panose="02020603050405020304" pitchFamily="18" charset="0"/>
               </a:rPr>
-              <a:t>seaborn</a:t>
-            </a:r>
-          </a:p>
-          <a:p>
-            <a:pPr marL="342900" indent="-342900" algn="just">
-              <a:lnSpc>
-                <a:spcPct val="150000"/>
-              </a:lnSpc>
-              <a:buFont typeface="Arial" panose="020B0604020202020204" pitchFamily="34" charset="0"/>
-              <a:buChar char="•"/>
-            </a:pPr>
-            <a:r>
-              <a:rPr lang="en-US" sz="2400" dirty="0" err="1">
-                <a:ln w="0"/>
+              <a:t>M</a:t>
+            </a:r>
+            <a:r>
+              <a:rPr lang="en-IN" sz="2400" i="0" dirty="0">
                 <a:solidFill>
                   <a:srgbClr val="042D85"/>
                 </a:solidFill>
-                <a:latin typeface="Times New Roman" panose="02020603050405020304" pitchFamily="18" charset="0"/>
-                <a:cs typeface="Times New Roman" panose="02020603050405020304" pitchFamily="18" charset="0"/>
-              </a:rPr>
-              <a:t>Sklearn</a:t>
+                <a:effectLst/>
+                <a:latin typeface="Times New Roman" panose="02020603050405020304" pitchFamily="18" charset="0"/>
+                <a:cs typeface="Times New Roman" panose="02020603050405020304" pitchFamily="18" charset="0"/>
+              </a:rPr>
+              <a:t>athematical operations on arrays</a:t>
             </a:r>
             <a:endParaRPr lang="en-US" sz="2400" dirty="0">
               <a:ln w="0"/>
@@ -13423,6 +13476,77 @@
               <a:latin typeface="Times New Roman" panose="02020603050405020304" pitchFamily="18" charset="0"/>
               <a:cs typeface="Times New Roman" panose="02020603050405020304" pitchFamily="18" charset="0"/>
             </a:endParaRPr>
+          </a:p>
+          <a:p>
+            <a:pPr marL="342900" indent="-342900" algn="just">
+              <a:lnSpc>
+                <a:spcPct val="150000"/>
+              </a:lnSpc>
+              <a:buFont typeface="Arial" panose="020B0604020202020204" pitchFamily="34" charset="0"/>
+              <a:buChar char="•"/>
+            </a:pPr>
+            <a:r>
+              <a:rPr lang="en-US" sz="2400" dirty="0">
+                <a:ln w="0"/>
+                <a:solidFill>
+                  <a:srgbClr val="042D85"/>
+                </a:solidFill>
+                <a:latin typeface="Times New Roman" panose="02020603050405020304" pitchFamily="18" charset="0"/>
+                <a:cs typeface="Times New Roman" panose="02020603050405020304" pitchFamily="18" charset="0"/>
+              </a:rPr>
+              <a:t>Matplotlib – Visualization</a:t>
+            </a:r>
+          </a:p>
+          <a:p>
+            <a:pPr marL="342900" indent="-342900" algn="just">
+              <a:lnSpc>
+                <a:spcPct val="150000"/>
+              </a:lnSpc>
+              <a:buFont typeface="Arial" panose="020B0604020202020204" pitchFamily="34" charset="0"/>
+              <a:buChar char="•"/>
+            </a:pPr>
+            <a:r>
+              <a:rPr lang="en-US" sz="2400" dirty="0">
+                <a:ln w="0"/>
+                <a:solidFill>
+                  <a:srgbClr val="042D85"/>
+                </a:solidFill>
+                <a:latin typeface="Times New Roman" panose="02020603050405020304" pitchFamily="18" charset="0"/>
+                <a:cs typeface="Times New Roman" panose="02020603050405020304" pitchFamily="18" charset="0"/>
+              </a:rPr>
+              <a:t>Seaborn – Visualization</a:t>
+            </a:r>
+          </a:p>
+          <a:p>
+            <a:pPr marL="342900" indent="-342900" algn="just">
+              <a:lnSpc>
+                <a:spcPct val="150000"/>
+              </a:lnSpc>
+              <a:buFont typeface="Arial" panose="020B0604020202020204" pitchFamily="34" charset="0"/>
+              <a:buChar char="•"/>
+            </a:pPr>
+            <a:r>
+              <a:rPr lang="en-US" sz="2400" dirty="0" err="1">
+                <a:ln w="0"/>
+                <a:solidFill>
+                  <a:srgbClr val="042D85"/>
+                </a:solidFill>
+                <a:latin typeface="Times New Roman" panose="02020603050405020304" pitchFamily="18" charset="0"/>
+                <a:cs typeface="Times New Roman" panose="02020603050405020304" pitchFamily="18" charset="0"/>
+              </a:rPr>
+              <a:t>Sklearn</a:t>
+            </a:r>
+            <a:r>
+              <a:rPr lang="en-US" sz="2400" dirty="0">
+                <a:ln w="0"/>
+                <a:solidFill>
+                  <a:srgbClr val="042D85"/>
+                </a:solidFill>
+                <a:latin typeface="Times New Roman" panose="02020603050405020304" pitchFamily="18" charset="0"/>
+                <a:cs typeface="Times New Roman" panose="02020603050405020304" pitchFamily="18" charset="0"/>
+              </a:rPr>
+              <a:t> – Data Modeling</a:t>
+            </a:r>
           </a:p>
           <a:p>
             <a:pPr algn="just">
